--- a/Prototipação de Dashboard/Prototipação-de-Tela.pptx
+++ b/Prototipação de Dashboard/Prototipação-de-Tela.pptx
@@ -284,7 +284,7 @@
           <a:p>
             <a:fld id="{E20D7C4E-81C6-43FC-8D33-9E856BB74CE5}" type="datetimeFigureOut">
               <a:rPr lang="pt-BR" smtClean="0"/>
-              <a:t>23/10/2020</a:t>
+              <a:t>24/10/2020</a:t>
             </a:fld>
             <a:endParaRPr lang="pt-BR"/>
           </a:p>
@@ -482,7 +482,7 @@
           <a:p>
             <a:fld id="{E20D7C4E-81C6-43FC-8D33-9E856BB74CE5}" type="datetimeFigureOut">
               <a:rPr lang="pt-BR" smtClean="0"/>
-              <a:t>23/10/2020</a:t>
+              <a:t>24/10/2020</a:t>
             </a:fld>
             <a:endParaRPr lang="pt-BR"/>
           </a:p>
@@ -690,7 +690,7 @@
           <a:p>
             <a:fld id="{E20D7C4E-81C6-43FC-8D33-9E856BB74CE5}" type="datetimeFigureOut">
               <a:rPr lang="pt-BR" smtClean="0"/>
-              <a:t>23/10/2020</a:t>
+              <a:t>24/10/2020</a:t>
             </a:fld>
             <a:endParaRPr lang="pt-BR"/>
           </a:p>
@@ -888,7 +888,7 @@
           <a:p>
             <a:fld id="{E20D7C4E-81C6-43FC-8D33-9E856BB74CE5}" type="datetimeFigureOut">
               <a:rPr lang="pt-BR" smtClean="0"/>
-              <a:t>23/10/2020</a:t>
+              <a:t>24/10/2020</a:t>
             </a:fld>
             <a:endParaRPr lang="pt-BR"/>
           </a:p>
@@ -1163,7 +1163,7 @@
           <a:p>
             <a:fld id="{E20D7C4E-81C6-43FC-8D33-9E856BB74CE5}" type="datetimeFigureOut">
               <a:rPr lang="pt-BR" smtClean="0"/>
-              <a:t>23/10/2020</a:t>
+              <a:t>24/10/2020</a:t>
             </a:fld>
             <a:endParaRPr lang="pt-BR"/>
           </a:p>
@@ -1428,7 +1428,7 @@
           <a:p>
             <a:fld id="{E20D7C4E-81C6-43FC-8D33-9E856BB74CE5}" type="datetimeFigureOut">
               <a:rPr lang="pt-BR" smtClean="0"/>
-              <a:t>23/10/2020</a:t>
+              <a:t>24/10/2020</a:t>
             </a:fld>
             <a:endParaRPr lang="pt-BR"/>
           </a:p>
@@ -1840,7 +1840,7 @@
           <a:p>
             <a:fld id="{E20D7C4E-81C6-43FC-8D33-9E856BB74CE5}" type="datetimeFigureOut">
               <a:rPr lang="pt-BR" smtClean="0"/>
-              <a:t>23/10/2020</a:t>
+              <a:t>24/10/2020</a:t>
             </a:fld>
             <a:endParaRPr lang="pt-BR"/>
           </a:p>
@@ -1981,7 +1981,7 @@
           <a:p>
             <a:fld id="{E20D7C4E-81C6-43FC-8D33-9E856BB74CE5}" type="datetimeFigureOut">
               <a:rPr lang="pt-BR" smtClean="0"/>
-              <a:t>23/10/2020</a:t>
+              <a:t>24/10/2020</a:t>
             </a:fld>
             <a:endParaRPr lang="pt-BR"/>
           </a:p>
@@ -2094,7 +2094,7 @@
           <a:p>
             <a:fld id="{E20D7C4E-81C6-43FC-8D33-9E856BB74CE5}" type="datetimeFigureOut">
               <a:rPr lang="pt-BR" smtClean="0"/>
-              <a:t>23/10/2020</a:t>
+              <a:t>24/10/2020</a:t>
             </a:fld>
             <a:endParaRPr lang="pt-BR"/>
           </a:p>
@@ -2405,7 +2405,7 @@
           <a:p>
             <a:fld id="{E20D7C4E-81C6-43FC-8D33-9E856BB74CE5}" type="datetimeFigureOut">
               <a:rPr lang="pt-BR" smtClean="0"/>
-              <a:t>23/10/2020</a:t>
+              <a:t>24/10/2020</a:t>
             </a:fld>
             <a:endParaRPr lang="pt-BR"/>
           </a:p>
@@ -2693,7 +2693,7 @@
           <a:p>
             <a:fld id="{E20D7C4E-81C6-43FC-8D33-9E856BB74CE5}" type="datetimeFigureOut">
               <a:rPr lang="pt-BR" smtClean="0"/>
-              <a:t>23/10/2020</a:t>
+              <a:t>24/10/2020</a:t>
             </a:fld>
             <a:endParaRPr lang="pt-BR"/>
           </a:p>
@@ -2934,7 +2934,7 @@
           <a:p>
             <a:fld id="{E20D7C4E-81C6-43FC-8D33-9E856BB74CE5}" type="datetimeFigureOut">
               <a:rPr lang="pt-BR" smtClean="0"/>
-              <a:t>23/10/2020</a:t>
+              <a:t>24/10/2020</a:t>
             </a:fld>
             <a:endParaRPr lang="pt-BR"/>
           </a:p>
@@ -8895,6 +8895,56 @@
       </p:sp>
       <p:sp>
         <p:nvSpPr>
+          <p:cNvPr id="2" name="Retângulo 1">
+            <a:extLst>
+              <a:ext uri="{FF2B5EF4-FFF2-40B4-BE49-F238E27FC236}">
+                <a16:creationId xmlns:a16="http://schemas.microsoft.com/office/drawing/2014/main" id="{148BB103-3C1C-4DB1-910E-ECEE49CA5414}"/>
+              </a:ext>
+            </a:extLst>
+          </p:cNvPr>
+          <p:cNvSpPr/>
+          <p:nvPr/>
+        </p:nvSpPr>
+        <p:spPr>
+          <a:xfrm>
+            <a:off x="3281374" y="1216726"/>
+            <a:ext cx="8142588" cy="5073041"/>
+          </a:xfrm>
+          <a:prstGeom prst="rect">
+            <a:avLst/>
+          </a:prstGeom>
+          <a:solidFill>
+            <a:schemeClr val="bg1"/>
+          </a:solidFill>
+          <a:ln w="19050"/>
+        </p:spPr>
+        <p:style>
+          <a:lnRef idx="2">
+            <a:schemeClr val="accent1">
+              <a:shade val="50000"/>
+            </a:schemeClr>
+          </a:lnRef>
+          <a:fillRef idx="1">
+            <a:schemeClr val="accent1"/>
+          </a:fillRef>
+          <a:effectRef idx="0">
+            <a:schemeClr val="accent1"/>
+          </a:effectRef>
+          <a:fontRef idx="minor">
+            <a:schemeClr val="lt1"/>
+          </a:fontRef>
+        </p:style>
+        <p:txBody>
+          <a:bodyPr rtlCol="0" anchor="ctr"/>
+          <a:lstStyle/>
+          <a:p>
+            <a:pPr algn="ctr"/>
+            <a:endParaRPr lang="pt-BR"/>
+          </a:p>
+        </p:txBody>
+      </p:sp>
+      <p:sp>
+        <p:nvSpPr>
           <p:cNvPr id="86" name="CaixaDeTexto 85">
             <a:extLst>
               <a:ext uri="{FF2B5EF4-FFF2-40B4-BE49-F238E27FC236}">
@@ -8907,7 +8957,7 @@
         </p:nvSpPr>
         <p:spPr>
           <a:xfrm>
-            <a:off x="6402119" y="894317"/>
+            <a:off x="6402119" y="1260395"/>
             <a:ext cx="1901098" cy="307777"/>
           </a:xfrm>
           <a:prstGeom prst="rect">
@@ -8934,56 +8984,6 @@
               <a:ea typeface="DejaVu Sans" panose="020B0603030804020204" pitchFamily="34" charset="0"/>
               <a:cs typeface="DejaVu Sans" panose="020B0603030804020204" pitchFamily="34" charset="0"/>
             </a:endParaRPr>
-          </a:p>
-        </p:txBody>
-      </p:sp>
-      <p:sp>
-        <p:nvSpPr>
-          <p:cNvPr id="2" name="Retângulo 1">
-            <a:extLst>
-              <a:ext uri="{FF2B5EF4-FFF2-40B4-BE49-F238E27FC236}">
-                <a16:creationId xmlns:a16="http://schemas.microsoft.com/office/drawing/2014/main" id="{148BB103-3C1C-4DB1-910E-ECEE49CA5414}"/>
-              </a:ext>
-            </a:extLst>
-          </p:cNvPr>
-          <p:cNvSpPr/>
-          <p:nvPr/>
-        </p:nvSpPr>
-        <p:spPr>
-          <a:xfrm>
-            <a:off x="3338120" y="851770"/>
-            <a:ext cx="8142588" cy="5073041"/>
-          </a:xfrm>
-          <a:prstGeom prst="rect">
-            <a:avLst/>
-          </a:prstGeom>
-          <a:solidFill>
-            <a:schemeClr val="bg1"/>
-          </a:solidFill>
-          <a:ln w="19050"/>
-        </p:spPr>
-        <p:style>
-          <a:lnRef idx="2">
-            <a:schemeClr val="accent1">
-              <a:shade val="50000"/>
-            </a:schemeClr>
-          </a:lnRef>
-          <a:fillRef idx="1">
-            <a:schemeClr val="accent1"/>
-          </a:fillRef>
-          <a:effectRef idx="0">
-            <a:schemeClr val="accent1"/>
-          </a:effectRef>
-          <a:fontRef idx="minor">
-            <a:schemeClr val="lt1"/>
-          </a:fontRef>
-        </p:style>
-        <p:txBody>
-          <a:bodyPr rtlCol="0" anchor="ctr"/>
-          <a:lstStyle/>
-          <a:p>
-            <a:pPr algn="ctr"/>
-            <a:endParaRPr lang="pt-BR"/>
           </a:p>
         </p:txBody>
       </p:sp>

--- a/Prototipação de Dashboard/Prototipação-de-Tela.pptx
+++ b/Prototipação de Dashboard/Prototipação-de-Tela.pptx
@@ -137,6 +137,35 @@
 </p:cmAuthorLst>
 </file>
 
+<file path=ppt/changesInfos/changesInfo1.xml><?xml version="1.0" encoding="utf-8"?>
+<pc:chgInfo xmlns:a="http://schemas.openxmlformats.org/drawingml/2006/main" xmlns:r="http://schemas.openxmlformats.org/officeDocument/2006/relationships" xmlns:ac="http://schemas.microsoft.com/office/drawing/2013/main/command" xmlns:pc="http://schemas.microsoft.com/office/powerpoint/2013/main/command">
+  <pc:docChgLst>
+    <pc:chgData name="cesar" userId="10cb0cc1dc347670" providerId="LiveId" clId="{AEB8DCF8-509F-4EE5-890C-93D18F688FF4}"/>
+    <pc:docChg chg="modSld">
+      <pc:chgData name="cesar" userId="10cb0cc1dc347670" providerId="LiveId" clId="{AEB8DCF8-509F-4EE5-890C-93D18F688FF4}" dt="2020-10-26T01:46:41.306" v="0" actId="1076"/>
+      <pc:docMkLst>
+        <pc:docMk/>
+      </pc:docMkLst>
+      <pc:sldChg chg="modSp mod">
+        <pc:chgData name="cesar" userId="10cb0cc1dc347670" providerId="LiveId" clId="{AEB8DCF8-509F-4EE5-890C-93D18F688FF4}" dt="2020-10-26T01:46:41.306" v="0" actId="1076"/>
+        <pc:sldMkLst>
+          <pc:docMk/>
+          <pc:sldMk cId="2031529763" sldId="260"/>
+        </pc:sldMkLst>
+        <pc:spChg chg="mod">
+          <ac:chgData name="cesar" userId="10cb0cc1dc347670" providerId="LiveId" clId="{AEB8DCF8-509F-4EE5-890C-93D18F688FF4}" dt="2020-10-26T01:46:41.306" v="0" actId="1076"/>
+          <ac:spMkLst>
+            <pc:docMk/>
+            <pc:sldMk cId="2031529763" sldId="260"/>
+            <ac:spMk id="39" creationId="{82A140F7-D5E6-4D5A-80C6-E0A9A1F7AC2F}"/>
+          </ac:spMkLst>
+        </pc:spChg>
+      </pc:sldChg>
+    </pc:docChg>
+  </pc:docChgLst>
+</pc:chgInfo>
+</file>
+
 <file path=ppt/slideLayouts/slideLayout1.xml><?xml version="1.0" encoding="utf-8"?>
 <p:sldLayout xmlns:a="http://schemas.openxmlformats.org/drawingml/2006/main" xmlns:r="http://schemas.openxmlformats.org/officeDocument/2006/relationships" xmlns:p="http://schemas.openxmlformats.org/presentationml/2006/main" type="title" preserve="1">
   <p:cSld name="Slide de Título">
@@ -284,7 +313,7 @@
           <a:p>
             <a:fld id="{E20D7C4E-81C6-43FC-8D33-9E856BB74CE5}" type="datetimeFigureOut">
               <a:rPr lang="pt-BR" smtClean="0"/>
-              <a:t>24/10/2020</a:t>
+              <a:t>25/10/2020</a:t>
             </a:fld>
             <a:endParaRPr lang="pt-BR"/>
           </a:p>
@@ -482,7 +511,7 @@
           <a:p>
             <a:fld id="{E20D7C4E-81C6-43FC-8D33-9E856BB74CE5}" type="datetimeFigureOut">
               <a:rPr lang="pt-BR" smtClean="0"/>
-              <a:t>24/10/2020</a:t>
+              <a:t>25/10/2020</a:t>
             </a:fld>
             <a:endParaRPr lang="pt-BR"/>
           </a:p>
@@ -690,7 +719,7 @@
           <a:p>
             <a:fld id="{E20D7C4E-81C6-43FC-8D33-9E856BB74CE5}" type="datetimeFigureOut">
               <a:rPr lang="pt-BR" smtClean="0"/>
-              <a:t>24/10/2020</a:t>
+              <a:t>25/10/2020</a:t>
             </a:fld>
             <a:endParaRPr lang="pt-BR"/>
           </a:p>
@@ -888,7 +917,7 @@
           <a:p>
             <a:fld id="{E20D7C4E-81C6-43FC-8D33-9E856BB74CE5}" type="datetimeFigureOut">
               <a:rPr lang="pt-BR" smtClean="0"/>
-              <a:t>24/10/2020</a:t>
+              <a:t>25/10/2020</a:t>
             </a:fld>
             <a:endParaRPr lang="pt-BR"/>
           </a:p>
@@ -1163,7 +1192,7 @@
           <a:p>
             <a:fld id="{E20D7C4E-81C6-43FC-8D33-9E856BB74CE5}" type="datetimeFigureOut">
               <a:rPr lang="pt-BR" smtClean="0"/>
-              <a:t>24/10/2020</a:t>
+              <a:t>25/10/2020</a:t>
             </a:fld>
             <a:endParaRPr lang="pt-BR"/>
           </a:p>
@@ -1428,7 +1457,7 @@
           <a:p>
             <a:fld id="{E20D7C4E-81C6-43FC-8D33-9E856BB74CE5}" type="datetimeFigureOut">
               <a:rPr lang="pt-BR" smtClean="0"/>
-              <a:t>24/10/2020</a:t>
+              <a:t>25/10/2020</a:t>
             </a:fld>
             <a:endParaRPr lang="pt-BR"/>
           </a:p>
@@ -1840,7 +1869,7 @@
           <a:p>
             <a:fld id="{E20D7C4E-81C6-43FC-8D33-9E856BB74CE5}" type="datetimeFigureOut">
               <a:rPr lang="pt-BR" smtClean="0"/>
-              <a:t>24/10/2020</a:t>
+              <a:t>25/10/2020</a:t>
             </a:fld>
             <a:endParaRPr lang="pt-BR"/>
           </a:p>
@@ -1981,7 +2010,7 @@
           <a:p>
             <a:fld id="{E20D7C4E-81C6-43FC-8D33-9E856BB74CE5}" type="datetimeFigureOut">
               <a:rPr lang="pt-BR" smtClean="0"/>
-              <a:t>24/10/2020</a:t>
+              <a:t>25/10/2020</a:t>
             </a:fld>
             <a:endParaRPr lang="pt-BR"/>
           </a:p>
@@ -2094,7 +2123,7 @@
           <a:p>
             <a:fld id="{E20D7C4E-81C6-43FC-8D33-9E856BB74CE5}" type="datetimeFigureOut">
               <a:rPr lang="pt-BR" smtClean="0"/>
-              <a:t>24/10/2020</a:t>
+              <a:t>25/10/2020</a:t>
             </a:fld>
             <a:endParaRPr lang="pt-BR"/>
           </a:p>
@@ -2405,7 +2434,7 @@
           <a:p>
             <a:fld id="{E20D7C4E-81C6-43FC-8D33-9E856BB74CE5}" type="datetimeFigureOut">
               <a:rPr lang="pt-BR" smtClean="0"/>
-              <a:t>24/10/2020</a:t>
+              <a:t>25/10/2020</a:t>
             </a:fld>
             <a:endParaRPr lang="pt-BR"/>
           </a:p>
@@ -2693,7 +2722,7 @@
           <a:p>
             <a:fld id="{E20D7C4E-81C6-43FC-8D33-9E856BB74CE5}" type="datetimeFigureOut">
               <a:rPr lang="pt-BR" smtClean="0"/>
-              <a:t>24/10/2020</a:t>
+              <a:t>25/10/2020</a:t>
             </a:fld>
             <a:endParaRPr lang="pt-BR"/>
           </a:p>
@@ -2934,7 +2963,7 @@
           <a:p>
             <a:fld id="{E20D7C4E-81C6-43FC-8D33-9E856BB74CE5}" type="datetimeFigureOut">
               <a:rPr lang="pt-BR" smtClean="0"/>
-              <a:t>24/10/2020</a:t>
+              <a:t>25/10/2020</a:t>
             </a:fld>
             <a:endParaRPr lang="pt-BR"/>
           </a:p>
@@ -12754,7 +12783,7 @@
         </p:nvSpPr>
         <p:spPr>
           <a:xfrm>
-            <a:off x="-3741" y="0"/>
+            <a:off x="-78219" y="119252"/>
             <a:ext cx="12195741" cy="6858000"/>
           </a:xfrm>
           <a:prstGeom prst="rect">

--- a/Prototipação de Dashboard/Prototipação-de-Tela.pptx
+++ b/Prototipação de Dashboard/Prototipação-de-Tela.pptx
@@ -142,16 +142,24 @@
   <pc:docChgLst>
     <pc:chgData name="cesar" userId="10cb0cc1dc347670" providerId="LiveId" clId="{AEB8DCF8-509F-4EE5-890C-93D18F688FF4}"/>
     <pc:docChg chg="modSld">
-      <pc:chgData name="cesar" userId="10cb0cc1dc347670" providerId="LiveId" clId="{AEB8DCF8-509F-4EE5-890C-93D18F688FF4}" dt="2020-10-26T01:46:41.306" v="0" actId="1076"/>
+      <pc:chgData name="cesar" userId="10cb0cc1dc347670" providerId="LiveId" clId="{AEB8DCF8-509F-4EE5-890C-93D18F688FF4}" dt="2020-10-26T19:41:33.941" v="1" actId="1076"/>
       <pc:docMkLst>
         <pc:docMk/>
       </pc:docMkLst>
       <pc:sldChg chg="modSp mod">
-        <pc:chgData name="cesar" userId="10cb0cc1dc347670" providerId="LiveId" clId="{AEB8DCF8-509F-4EE5-890C-93D18F688FF4}" dt="2020-10-26T01:46:41.306" v="0" actId="1076"/>
+        <pc:chgData name="cesar" userId="10cb0cc1dc347670" providerId="LiveId" clId="{AEB8DCF8-509F-4EE5-890C-93D18F688FF4}" dt="2020-10-26T19:41:33.941" v="1" actId="1076"/>
         <pc:sldMkLst>
           <pc:docMk/>
           <pc:sldMk cId="2031529763" sldId="260"/>
         </pc:sldMkLst>
+        <pc:spChg chg="mod">
+          <ac:chgData name="cesar" userId="10cb0cc1dc347670" providerId="LiveId" clId="{AEB8DCF8-509F-4EE5-890C-93D18F688FF4}" dt="2020-10-26T19:41:33.941" v="1" actId="1076"/>
+          <ac:spMkLst>
+            <pc:docMk/>
+            <pc:sldMk cId="2031529763" sldId="260"/>
+            <ac:spMk id="7" creationId="{BAE0A5D9-FE2E-4359-BB05-95E774483A00}"/>
+          </ac:spMkLst>
+        </pc:spChg>
         <pc:spChg chg="mod">
           <ac:chgData name="cesar" userId="10cb0cc1dc347670" providerId="LiveId" clId="{AEB8DCF8-509F-4EE5-890C-93D18F688FF4}" dt="2020-10-26T01:46:41.306" v="0" actId="1076"/>
           <ac:spMkLst>
@@ -12866,7 +12874,7 @@
         </p:nvSpPr>
         <p:spPr>
           <a:xfrm>
-            <a:off x="3056872" y="281666"/>
+            <a:off x="3056873" y="265800"/>
             <a:ext cx="2490813" cy="1352811"/>
           </a:xfrm>
           <a:prstGeom prst="rect">
